--- a/Mikhuna.pptx
+++ b/Mikhuna.pptx
@@ -17,6 +17,7 @@
     <p:sldId id="265" r:id="rId11"/>
     <p:sldId id="266" r:id="rId12"/>
     <p:sldId id="267" r:id="rId13"/>
+    <p:sldId id="269" r:id="rId14"/>
   </p:sldIdLst>
   <p:sldSz cx="12192000" cy="6858000"/>
   <p:notesSz cx="6858000" cy="9144000"/>
@@ -3664,6 +3665,161 @@
 </p:sld>
 </file>
 
+<file path=ppt/slides/slide13.xml><?xml version="1.0" encoding="utf-8"?>
+<p:sld xmlns:a="http://schemas.openxmlformats.org/drawingml/2006/main" xmlns:r="http://schemas.openxmlformats.org/officeDocument/2006/relationships" xmlns:p="http://schemas.openxmlformats.org/presentationml/2006/main">
+  <p:cSld>
+    <p:spTree>
+      <p:nvGrpSpPr>
+        <p:cNvPr id="1" name=""/>
+        <p:cNvGrpSpPr/>
+        <p:nvPr/>
+      </p:nvGrpSpPr>
+      <p:grpSpPr>
+        <a:xfrm>
+          <a:off x="0" y="0"/>
+          <a:ext cx="0" cy="0"/>
+          <a:chOff x="0" y="0"/>
+          <a:chExt cx="0" cy="0"/>
+        </a:xfrm>
+      </p:grpSpPr>
+      <p:pic>
+        <p:nvPicPr>
+          <p:cNvPr id="1026" name="Picture 2" descr="Resultado de imagen para utp logo"/>
+          <p:cNvPicPr>
+            <a:picLocks noChangeAspect="1" noChangeArrowheads="1"/>
+          </p:cNvPicPr>
+          <p:nvPr/>
+        </p:nvPicPr>
+        <p:blipFill>
+          <a:blip r:embed="rId2" cstate="print">
+            <a:extLst>
+              <a:ext uri="{28A0092B-C50C-407E-A947-70E740481C1C}">
+                <a14:useLocalDpi xmlns:a14="http://schemas.microsoft.com/office/drawing/2010/main" val="0"/>
+              </a:ext>
+            </a:extLst>
+          </a:blip>
+          <a:srcRect/>
+          <a:stretch>
+            <a:fillRect/>
+          </a:stretch>
+        </p:blipFill>
+        <p:spPr bwMode="auto">
+          <a:xfrm>
+            <a:off x="9278059" y="249668"/>
+            <a:ext cx="2200350" cy="736293"/>
+          </a:xfrm>
+          <a:prstGeom prst="rect">
+            <a:avLst/>
+          </a:prstGeom>
+          <a:noFill/>
+          <a:extLst>
+            <a:ext uri="{909E8E84-426E-40DD-AFC4-6F175D3DCCD1}">
+              <a14:hiddenFill xmlns:a14="http://schemas.microsoft.com/office/drawing/2010/main">
+                <a:solidFill>
+                  <a:srgbClr val="FFFFFF"/>
+                </a:solidFill>
+              </a14:hiddenFill>
+            </a:ext>
+          </a:extLst>
+        </p:spPr>
+      </p:pic>
+      <p:cxnSp>
+        <p:nvCxnSpPr>
+          <p:cNvPr id="9" name="Conector recto 8"/>
+          <p:cNvCxnSpPr/>
+          <p:nvPr/>
+        </p:nvCxnSpPr>
+        <p:spPr>
+          <a:xfrm>
+            <a:off x="1043492" y="1151068"/>
+            <a:ext cx="10198249" cy="43031"/>
+          </a:xfrm>
+          <a:prstGeom prst="line">
+            <a:avLst/>
+          </a:prstGeom>
+        </p:spPr>
+        <p:style>
+          <a:lnRef idx="2">
+            <a:schemeClr val="dk1"/>
+          </a:lnRef>
+          <a:fillRef idx="0">
+            <a:schemeClr val="dk1"/>
+          </a:fillRef>
+          <a:effectRef idx="1">
+            <a:schemeClr val="dk1"/>
+          </a:effectRef>
+          <a:fontRef idx="minor">
+            <a:schemeClr val="tx1"/>
+          </a:fontRef>
+        </p:style>
+      </p:cxnSp>
+      <p:sp>
+        <p:nvSpPr>
+          <p:cNvPr id="3" name="CuadroTexto 2"/>
+          <p:cNvSpPr txBox="1"/>
+          <p:nvPr/>
+        </p:nvSpPr>
+        <p:spPr>
+          <a:xfrm>
+            <a:off x="1043492" y="699183"/>
+            <a:ext cx="4292301" cy="461665"/>
+          </a:xfrm>
+          <a:prstGeom prst="rect">
+            <a:avLst/>
+          </a:prstGeom>
+          <a:noFill/>
+        </p:spPr>
+        <p:txBody>
+          <a:bodyPr wrap="square" rtlCol="0">
+            <a:spAutoFit/>
+          </a:bodyPr>
+          <a:lstStyle/>
+          <a:p>
+            <a:r>
+              <a:rPr lang="es-MX" sz="2400" dirty="0" smtClean="0"/>
+              <a:t>Diagrama de procesos</a:t>
+            </a:r>
+            <a:endParaRPr lang="es-PE" sz="2400" dirty="0"/>
+          </a:p>
+        </p:txBody>
+      </p:sp>
+      <p:pic>
+        <p:nvPicPr>
+          <p:cNvPr id="4" name="Imagen 3"/>
+          <p:cNvPicPr>
+            <a:picLocks noChangeAspect="1"/>
+          </p:cNvPicPr>
+          <p:nvPr/>
+        </p:nvPicPr>
+        <p:blipFill>
+          <a:blip r:embed="rId3"/>
+          <a:stretch>
+            <a:fillRect/>
+          </a:stretch>
+        </p:blipFill>
+        <p:spPr>
+          <a:xfrm>
+            <a:off x="1679145" y="1437846"/>
+            <a:ext cx="8937198" cy="4834162"/>
+          </a:xfrm>
+          <a:prstGeom prst="rect">
+            <a:avLst/>
+          </a:prstGeom>
+        </p:spPr>
+      </p:pic>
+    </p:spTree>
+    <p:extLst>
+      <p:ext uri="{BB962C8B-B14F-4D97-AF65-F5344CB8AC3E}">
+        <p14:creationId xmlns:p14="http://schemas.microsoft.com/office/powerpoint/2010/main" val="2325430143"/>
+      </p:ext>
+    </p:extLst>
+  </p:cSld>
+  <p:clrMapOvr>
+    <a:masterClrMapping/>
+  </p:clrMapOvr>
+</p:sld>
+</file>
+
 <file path=ppt/slides/slide2.xml><?xml version="1.0" encoding="utf-8"?>
 <p:sld xmlns:a="http://schemas.openxmlformats.org/drawingml/2006/main" xmlns:r="http://schemas.openxmlformats.org/officeDocument/2006/relationships" xmlns:p="http://schemas.openxmlformats.org/presentationml/2006/main">
   <p:cSld>
